--- a/reports/2024 Sales Performance & Customer Insights Dashboard 2.pptx
+++ b/reports/2024 Sales Performance & Customer Insights Dashboard 2.pptx
@@ -119,24 +119,24 @@
   <p:extLst>
     <p:ext uri="{521415D9-36F7-43E2-AB2F-B90AF26B5E84}">
       <p14:sectionLst xmlns:p14="http://schemas.microsoft.com/office/powerpoint/2010/main">
-        <p14:section name="Default Section" id="{4C6C4B69-4BE0-42A2-9256-FADFAA4AF0DB}">
+        <p14:section name="Introduction to Data" id="{4C6C4B69-4BE0-42A2-9256-FADFAA4AF0DB}">
           <p14:sldIdLst>
             <p14:sldId id="256"/>
+            <p14:sldId id="260"/>
           </p14:sldIdLst>
         </p14:section>
-        <p14:section name="Untitled Section" id="{8BA0EBB6-B8B0-497A-99EB-36B421BA9C35}">
+        <p14:section name="Data Report" id="{8BA0EBB6-B8B0-497A-99EB-36B421BA9C35}">
           <p14:sldIdLst>
-            <p14:sldId id="260"/>
             <p14:sldId id="261"/>
             <p14:sldId id="262"/>
             <p14:sldId id="263"/>
             <p14:sldId id="264"/>
+            <p14:sldId id="265"/>
+            <p14:sldId id="266"/>
           </p14:sldIdLst>
         </p14:section>
-        <p14:section name="Untitled Section" id="{DE7C0D01-CDD9-472C-B270-276C60E4CDE2}">
+        <p14:section name="Overall Data Insight" id="{DE7C0D01-CDD9-472C-B270-276C60E4CDE2}">
           <p14:sldIdLst>
-            <p14:sldId id="265"/>
-            <p14:sldId id="266"/>
             <p14:sldId id="267"/>
             <p14:sldId id="268"/>
           </p14:sldIdLst>
@@ -235,7 +235,7 @@
           <a:p>
             <a:fld id="{0586B91A-51FE-4746-B8F7-A186020DDD93}" type="datetimeFigureOut">
               <a:rPr lang="en-ZA" smtClean="0"/>
-              <a:t>2025/12/30</a:t>
+              <a:t>2026/01/12</a:t>
             </a:fld>
             <a:endParaRPr lang="en-ZA"/>
           </a:p>
@@ -1945,7 +1945,7 @@
           <a:p>
             <a:fld id="{22A4B59D-1FA1-41C7-B8A3-518214301579}" type="datetimeFigureOut">
               <a:rPr lang="en-ZA" smtClean="0"/>
-              <a:t>2025/12/30</a:t>
+              <a:t>2026/01/12</a:t>
             </a:fld>
             <a:endParaRPr lang="en-ZA"/>
           </a:p>
@@ -2381,7 +2381,7 @@
           <a:p>
             <a:fld id="{22A4B59D-1FA1-41C7-B8A3-518214301579}" type="datetimeFigureOut">
               <a:rPr lang="en-ZA" smtClean="0"/>
-              <a:t>2025/12/30</a:t>
+              <a:t>2026/01/12</a:t>
             </a:fld>
             <a:endParaRPr lang="en-ZA"/>
           </a:p>
@@ -2631,7 +2631,7 @@
           <a:p>
             <a:fld id="{22A4B59D-1FA1-41C7-B8A3-518214301579}" type="datetimeFigureOut">
               <a:rPr lang="en-ZA" smtClean="0"/>
-              <a:t>2025/12/30</a:t>
+              <a:t>2026/01/12</a:t>
             </a:fld>
             <a:endParaRPr lang="en-ZA"/>
           </a:p>
@@ -2939,7 +2939,7 @@
           <a:p>
             <a:fld id="{22A4B59D-1FA1-41C7-B8A3-518214301579}" type="datetimeFigureOut">
               <a:rPr lang="en-ZA" smtClean="0"/>
-              <a:t>2025/12/30</a:t>
+              <a:t>2026/01/12</a:t>
             </a:fld>
             <a:endParaRPr lang="en-ZA"/>
           </a:p>
@@ -3257,7 +3257,7 @@
           <a:p>
             <a:fld id="{22A4B59D-1FA1-41C7-B8A3-518214301579}" type="datetimeFigureOut">
               <a:rPr lang="en-ZA" smtClean="0"/>
-              <a:t>2025/12/30</a:t>
+              <a:t>2026/01/12</a:t>
             </a:fld>
             <a:endParaRPr lang="en-ZA"/>
           </a:p>
@@ -3559,7 +3559,7 @@
           <a:p>
             <a:fld id="{22A4B59D-1FA1-41C7-B8A3-518214301579}" type="datetimeFigureOut">
               <a:rPr lang="en-ZA" smtClean="0"/>
-              <a:t>2025/12/30</a:t>
+              <a:t>2026/01/12</a:t>
             </a:fld>
             <a:endParaRPr lang="en-ZA"/>
           </a:p>
@@ -3926,7 +3926,7 @@
           <a:p>
             <a:fld id="{22A4B59D-1FA1-41C7-B8A3-518214301579}" type="datetimeFigureOut">
               <a:rPr lang="en-ZA" smtClean="0"/>
-              <a:t>2025/12/30</a:t>
+              <a:t>2026/01/12</a:t>
             </a:fld>
             <a:endParaRPr lang="en-ZA"/>
           </a:p>
@@ -4100,7 +4100,7 @@
           <a:p>
             <a:fld id="{22A4B59D-1FA1-41C7-B8A3-518214301579}" type="datetimeFigureOut">
               <a:rPr lang="en-ZA" smtClean="0"/>
-              <a:t>2025/12/30</a:t>
+              <a:t>2026/01/12</a:t>
             </a:fld>
             <a:endParaRPr lang="en-ZA"/>
           </a:p>
@@ -4280,7 +4280,7 @@
           <a:p>
             <a:fld id="{22A4B59D-1FA1-41C7-B8A3-518214301579}" type="datetimeFigureOut">
               <a:rPr lang="en-ZA" smtClean="0"/>
-              <a:t>2025/12/30</a:t>
+              <a:t>2026/01/12</a:t>
             </a:fld>
             <a:endParaRPr lang="en-ZA"/>
           </a:p>
@@ -4450,7 +4450,7 @@
           <a:p>
             <a:fld id="{22A4B59D-1FA1-41C7-B8A3-518214301579}" type="datetimeFigureOut">
               <a:rPr lang="en-ZA" smtClean="0"/>
-              <a:t>2025/12/30</a:t>
+              <a:t>2026/01/12</a:t>
             </a:fld>
             <a:endParaRPr lang="en-ZA"/>
           </a:p>
@@ -4700,7 +4700,7 @@
           <a:p>
             <a:fld id="{22A4B59D-1FA1-41C7-B8A3-518214301579}" type="datetimeFigureOut">
               <a:rPr lang="en-ZA" smtClean="0"/>
-              <a:t>2025/12/30</a:t>
+              <a:t>2026/01/12</a:t>
             </a:fld>
             <a:endParaRPr lang="en-ZA"/>
           </a:p>
@@ -4936,7 +4936,7 @@
           <a:p>
             <a:fld id="{22A4B59D-1FA1-41C7-B8A3-518214301579}" type="datetimeFigureOut">
               <a:rPr lang="en-ZA" smtClean="0"/>
-              <a:t>2025/12/30</a:t>
+              <a:t>2026/01/12</a:t>
             </a:fld>
             <a:endParaRPr lang="en-ZA"/>
           </a:p>
@@ -5318,7 +5318,7 @@
           <a:p>
             <a:fld id="{22A4B59D-1FA1-41C7-B8A3-518214301579}" type="datetimeFigureOut">
               <a:rPr lang="en-ZA" smtClean="0"/>
-              <a:t>2025/12/30</a:t>
+              <a:t>2026/01/12</a:t>
             </a:fld>
             <a:endParaRPr lang="en-ZA"/>
           </a:p>
@@ -5436,7 +5436,7 @@
           <a:p>
             <a:fld id="{22A4B59D-1FA1-41C7-B8A3-518214301579}" type="datetimeFigureOut">
               <a:rPr lang="en-ZA" smtClean="0"/>
-              <a:t>2025/12/30</a:t>
+              <a:t>2026/01/12</a:t>
             </a:fld>
             <a:endParaRPr lang="en-ZA"/>
           </a:p>
@@ -5531,7 +5531,7 @@
           <a:p>
             <a:fld id="{22A4B59D-1FA1-41C7-B8A3-518214301579}" type="datetimeFigureOut">
               <a:rPr lang="en-ZA" smtClean="0"/>
-              <a:t>2025/12/30</a:t>
+              <a:t>2026/01/12</a:t>
             </a:fld>
             <a:endParaRPr lang="en-ZA"/>
           </a:p>
@@ -5786,7 +5786,7 @@
           <a:p>
             <a:fld id="{22A4B59D-1FA1-41C7-B8A3-518214301579}" type="datetimeFigureOut">
               <a:rPr lang="en-ZA" smtClean="0"/>
-              <a:t>2025/12/30</a:t>
+              <a:t>2026/01/12</a:t>
             </a:fld>
             <a:endParaRPr lang="en-ZA"/>
           </a:p>
@@ -6069,7 +6069,7 @@
           <a:p>
             <a:fld id="{22A4B59D-1FA1-41C7-B8A3-518214301579}" type="datetimeFigureOut">
               <a:rPr lang="en-ZA" smtClean="0"/>
-              <a:t>2025/12/30</a:t>
+              <a:t>2026/01/12</a:t>
             </a:fld>
             <a:endParaRPr lang="en-ZA"/>
           </a:p>
@@ -6475,7 +6475,7 @@
           <a:p>
             <a:fld id="{22A4B59D-1FA1-41C7-B8A3-518214301579}" type="datetimeFigureOut">
               <a:rPr lang="en-ZA" smtClean="0"/>
-              <a:t>2025/12/30</a:t>
+              <a:t>2026/01/12</a:t>
             </a:fld>
             <a:endParaRPr lang="en-ZA"/>
           </a:p>
@@ -9387,8 +9387,8 @@
         </p:nvSpPr>
         <p:spPr>
           <a:xfrm>
-            <a:off x="838200" y="-105415"/>
-            <a:ext cx="8204981" cy="1200329"/>
+            <a:off x="838200" y="0"/>
+            <a:ext cx="8204981" cy="1107996"/>
           </a:xfrm>
           <a:prstGeom prst="rect">
             <a:avLst/>
@@ -9402,7 +9402,7 @@
           <a:lstStyle/>
           <a:p>
             <a:r>
-              <a:rPr lang="en-ZA" sz="7200" dirty="0"/>
+              <a:rPr lang="en-ZA" sz="6600" dirty="0"/>
               <a:t>📈</a:t>
             </a:r>
           </a:p>
@@ -9561,8 +9561,8 @@
         </p:nvSpPr>
         <p:spPr>
           <a:xfrm>
-            <a:off x="838200" y="0"/>
-            <a:ext cx="6098344" cy="1446550"/>
+            <a:off x="1120833" y="0"/>
+            <a:ext cx="6098344" cy="1323439"/>
           </a:xfrm>
           <a:prstGeom prst="rect">
             <a:avLst/>
@@ -9576,7 +9576,7 @@
           <a:lstStyle/>
           <a:p>
             <a:r>
-              <a:rPr lang="en-ZA" sz="8800" dirty="0"/>
+              <a:rPr lang="en-ZA" sz="8000" dirty="0"/>
               <a:t>🏆</a:t>
             </a:r>
           </a:p>
@@ -9807,8 +9807,8 @@
         </p:nvSpPr>
         <p:spPr>
           <a:xfrm>
-            <a:off x="1753596" y="-187268"/>
-            <a:ext cx="6098344" cy="1323439"/>
+            <a:off x="1869974" y="-49307"/>
+            <a:ext cx="6098344" cy="1200329"/>
           </a:xfrm>
           <a:prstGeom prst="rect">
             <a:avLst/>
@@ -9822,7 +9822,7 @@
           <a:lstStyle/>
           <a:p>
             <a:r>
-              <a:rPr lang="en-ZA" sz="8000" dirty="0"/>
+              <a:rPr lang="en-ZA" sz="7200" dirty="0"/>
               <a:t>🌍</a:t>
             </a:r>
           </a:p>
@@ -10064,8 +10064,8 @@
         </p:nvSpPr>
         <p:spPr>
           <a:xfrm>
-            <a:off x="979942" y="-323558"/>
-            <a:ext cx="6098344" cy="1323439"/>
+            <a:off x="963316" y="-113546"/>
+            <a:ext cx="6098344" cy="1200329"/>
           </a:xfrm>
           <a:prstGeom prst="rect">
             <a:avLst/>
@@ -10079,7 +10079,13 @@
           <a:lstStyle/>
           <a:p>
             <a:r>
-              <a:rPr lang="en-ZA" sz="8000" dirty="0"/>
+              <a:rPr lang="en-ZA" sz="7200" dirty="0">
+                <a:solidFill>
+                  <a:schemeClr val="tx1">
+                    <a:lumMod val="75000"/>
+                  </a:schemeClr>
+                </a:solidFill>
+              </a:rPr>
               <a:t>👥</a:t>
             </a:r>
           </a:p>
@@ -10161,8 +10167,8 @@
         </p:blipFill>
         <p:spPr>
           <a:xfrm>
-            <a:off x="1" y="1195755"/>
-            <a:ext cx="6237961" cy="4662364"/>
+            <a:off x="0" y="1418631"/>
+            <a:ext cx="7581207" cy="4361828"/>
           </a:xfrm>
           <a:prstGeom prst="rect">
             <a:avLst/>
@@ -10191,8 +10197,8 @@
         </p:blipFill>
         <p:spPr>
           <a:xfrm>
-            <a:off x="6093655" y="1195755"/>
-            <a:ext cx="6098344" cy="4662364"/>
+            <a:off x="6317673" y="931025"/>
+            <a:ext cx="5874328" cy="3325090"/>
           </a:xfrm>
           <a:prstGeom prst="rect">
             <a:avLst/>
@@ -10255,8 +10261,8 @@
         </p:nvSpPr>
         <p:spPr>
           <a:xfrm rot="20892107">
-            <a:off x="707198" y="-723276"/>
-            <a:ext cx="6084518" cy="1446550"/>
+            <a:off x="740449" y="-438010"/>
+            <a:ext cx="6084518" cy="1323439"/>
           </a:xfrm>
           <a:prstGeom prst="rect">
             <a:avLst/>
@@ -10270,12 +10276,8 @@
           <a:lstStyle/>
           <a:p>
             <a:r>
-              <a:rPr lang="en-ZA" sz="8800" dirty="0"/>
-              <a:t>🗺</a:t>
-            </a:r>
-            <a:r>
               <a:rPr lang="en-ZA" sz="8000" dirty="0"/>
-              <a:t> </a:t>
+              <a:t>🗺 </a:t>
             </a:r>
           </a:p>
         </p:txBody>
